--- a/Phase0/CRC Model.pptx
+++ b/Phase0/CRC Model.pptx
@@ -14403,7 +14403,7 @@
                 <a:buChar char="●"/>
               </a:pPr>
               <a:r>
-                <a:rPr lang="en" sz="1000"/>
+                <a:rPr lang="en" sz="1000" dirty="0"/>
                 <a:t>Create new Check</a:t>
               </a:r>
             </a:p>
@@ -14413,26 +14413,9 @@
                 <a:buChar char="●"/>
               </a:pPr>
               <a:r>
-                <a:rPr lang="en" sz="1000"/>
-                <a:t>Use the Items in Player's inventory</a:t>
+                <a:rPr lang="en" sz="1000" dirty="0"/>
+                <a:t>Check against Player attributes</a:t>
               </a:r>
-            </a:p>
-            <a:p>
-              <a:pPr marL="182880" indent="-121285">
-                <a:buSzPts val="1200"/>
-                <a:buChar char="●"/>
-              </a:pPr>
-              <a:r>
-                <a:rPr lang="en" sz="1000"/>
-                <a:t>Add or discard any Item</a:t>
-              </a:r>
-            </a:p>
-            <a:p>
-              <a:pPr marL="182880" indent="-121285">
-                <a:buSzPts val="1200"/>
-                <a:buChar char="●"/>
-              </a:pPr>
-              <a:endParaRPr lang="en" sz="1000"/>
             </a:p>
           </p:txBody>
         </p:sp>

--- a/Phase0/CRC Model.pptx
+++ b/Phase0/CRC Model.pptx
@@ -5,7 +5,7 @@
     <p:sldMasterId id="2147483659" r:id="rId1"/>
   </p:sldMasterIdLst>
   <p:notesMasterIdLst>
-    <p:notesMasterId r:id="rId10"/>
+    <p:notesMasterId r:id="rId11"/>
   </p:notesMasterIdLst>
   <p:sldIdLst>
     <p:sldId id="266" r:id="rId2"/>
@@ -16,6 +16,7 @@
     <p:sldId id="265" r:id="rId7"/>
     <p:sldId id="262" r:id="rId8"/>
     <p:sldId id="260" r:id="rId9"/>
+    <p:sldId id="267" r:id="rId10"/>
   </p:sldIdLst>
   <p:sldSz cx="9144000" cy="5143500" type="screen16x9"/>
   <p:notesSz cx="6858000" cy="9144000"/>
@@ -5685,7 +5686,7 @@
               <a:buNone/>
             </a:pPr>
             <a:r>
-              <a:rPr lang="en-US" b="1"/>
+              <a:rPr lang="en-US" b="1" dirty="0"/>
               <a:t>How to Navigate</a:t>
             </a:r>
           </a:p>
@@ -5696,7 +5697,7 @@
               </a:lnSpc>
             </a:pPr>
             <a:r>
-              <a:rPr lang="en-US" sz="1400"/>
+              <a:rPr lang="en-US" sz="1400" dirty="0"/>
               <a:t>Cards are organized by Clean Architecture layer</a:t>
             </a:r>
           </a:p>
@@ -5707,7 +5708,7 @@
               </a:lnSpc>
             </a:pPr>
             <a:r>
-              <a:rPr lang="en-US" sz="1200"/>
+              <a:rPr lang="en-US" sz="1200" dirty="0"/>
               <a:t>Each slide only contains cards for one layer</a:t>
             </a:r>
           </a:p>
@@ -5718,7 +5719,7 @@
               </a:lnSpc>
             </a:pPr>
             <a:r>
-              <a:rPr lang="en-US" sz="1400"/>
+              <a:rPr lang="en-US" sz="1400" dirty="0"/>
               <a:t>Greyed out cards are not in use for Phase 0</a:t>
             </a:r>
           </a:p>
@@ -5729,8 +5730,8 @@
               </a:lnSpc>
             </a:pPr>
             <a:r>
-              <a:rPr lang="en-US" sz="1400"/>
-              <a:t>Scenario walkthrough is shown on last slide</a:t>
+              <a:rPr lang="en-US" sz="1400" dirty="0"/>
+              <a:t>A diagram of scenario walkthrough is shown on last slide</a:t>
             </a:r>
           </a:p>
         </p:txBody>
@@ -5828,7 +5829,7 @@
         </p:spPr>
         <p:txBody>
           <a:bodyPr spcFirstLastPara="1" wrap="square" lIns="91425" tIns="91425" rIns="91425" bIns="91425" anchor="t" anchorCtr="0">
-            <a:normAutofit/>
+            <a:normAutofit lnSpcReduction="10000"/>
           </a:bodyPr>
           <a:lstStyle/>
           <a:p>
@@ -17285,6 +17286,1518 @@
     <p:extLst>
       <p:ext uri="{BB962C8B-B14F-4D97-AF65-F5344CB8AC3E}">
         <p14:creationId xmlns:p14="http://schemas.microsoft.com/office/powerpoint/2010/main" val="1872631908"/>
+      </p:ext>
+    </p:extLst>
+  </p:cSld>
+  <p:clrMapOvr>
+    <a:masterClrMapping/>
+  </p:clrMapOvr>
+</p:sld>
+</file>
+
+<file path=ppt/slides/slide9.xml><?xml version="1.0" encoding="utf-8"?>
+<p:sld xmlns:a="http://schemas.openxmlformats.org/drawingml/2006/main" xmlns:r="http://schemas.openxmlformats.org/officeDocument/2006/relationships" xmlns:p="http://schemas.openxmlformats.org/presentationml/2006/main">
+  <p:cSld>
+    <p:spTree>
+      <p:nvGrpSpPr>
+        <p:cNvPr id="1" name=""/>
+        <p:cNvGrpSpPr/>
+        <p:nvPr/>
+      </p:nvGrpSpPr>
+      <p:grpSpPr>
+        <a:xfrm>
+          <a:off x="0" y="0"/>
+          <a:ext cx="0" cy="0"/>
+          <a:chOff x="0" y="0"/>
+          <a:chExt cx="0" cy="0"/>
+        </a:xfrm>
+      </p:grpSpPr>
+      <p:sp>
+        <p:nvSpPr>
+          <p:cNvPr id="3" name="TextBox 2">
+            <a:extLst>
+              <a:ext uri="{FF2B5EF4-FFF2-40B4-BE49-F238E27FC236}">
+                <a16:creationId xmlns:a16="http://schemas.microsoft.com/office/drawing/2014/main" id="{BB78FA9F-957F-45DE-9F66-06317B24C8BD}"/>
+              </a:ext>
+            </a:extLst>
+          </p:cNvPr>
+          <p:cNvSpPr txBox="1"/>
+          <p:nvPr/>
+        </p:nvSpPr>
+        <p:spPr>
+          <a:xfrm>
+            <a:off x="2286000" y="2419191"/>
+            <a:ext cx="4572000" cy="307777"/>
+          </a:xfrm>
+          <a:prstGeom prst="rect">
+            <a:avLst/>
+          </a:prstGeom>
+          <a:noFill/>
+        </p:spPr>
+        <p:txBody>
+          <a:bodyPr wrap="square">
+            <a:spAutoFit/>
+          </a:bodyPr>
+          <a:lstStyle/>
+          <a:p>
+            <a:r>
+              <a:rPr lang="zh-CN" altLang="en-US" b="0" i="0" dirty="0">
+                <a:solidFill>
+                  <a:srgbClr val="000000"/>
+                </a:solidFill>
+                <a:effectLst/>
+                <a:latin typeface="Times New Roman" panose="02020603050405020304" pitchFamily="18" charset="0"/>
+              </a:rPr>
+              <a:t> </a:t>
+            </a:r>
+            <a:endParaRPr lang="zh-CN" altLang="en-US" dirty="0"/>
+          </a:p>
+        </p:txBody>
+      </p:sp>
+      <p:sp>
+        <p:nvSpPr>
+          <p:cNvPr id="8" name="Rectangle 7">
+            <a:extLst>
+              <a:ext uri="{FF2B5EF4-FFF2-40B4-BE49-F238E27FC236}">
+                <a16:creationId xmlns:a16="http://schemas.microsoft.com/office/drawing/2014/main" id="{5B9926CB-9D8E-4D1A-B82F-FD24D7BDDBF5}"/>
+              </a:ext>
+            </a:extLst>
+          </p:cNvPr>
+          <p:cNvSpPr/>
+          <p:nvPr/>
+        </p:nvSpPr>
+        <p:spPr>
+          <a:xfrm>
+            <a:off x="310754" y="891182"/>
+            <a:ext cx="1348382" cy="535782"/>
+          </a:xfrm>
+          <a:prstGeom prst="rect">
+            <a:avLst/>
+          </a:prstGeom>
+          <a:solidFill>
+            <a:schemeClr val="accent1">
+              <a:lumMod val="20000"/>
+              <a:lumOff val="80000"/>
+            </a:schemeClr>
+          </a:solidFill>
+          <a:ln>
+            <a:noFill/>
+          </a:ln>
+        </p:spPr>
+        <p:style>
+          <a:lnRef idx="2">
+            <a:schemeClr val="accent1">
+              <a:shade val="50000"/>
+            </a:schemeClr>
+          </a:lnRef>
+          <a:fillRef idx="1">
+            <a:schemeClr val="accent1"/>
+          </a:fillRef>
+          <a:effectRef idx="0">
+            <a:schemeClr val="accent1"/>
+          </a:effectRef>
+          <a:fontRef idx="minor">
+            <a:schemeClr val="lt1"/>
+          </a:fontRef>
+        </p:style>
+        <p:txBody>
+          <a:bodyPr rtlCol="0" anchor="ctr"/>
+          <a:lstStyle/>
+          <a:p>
+            <a:pPr algn="ctr"/>
+            <a:r>
+              <a:rPr lang="en-US" err="1">
+                <a:solidFill>
+                  <a:schemeClr val="tx1"/>
+                </a:solidFill>
+                <a:cs typeface="Arial"/>
+              </a:rPr>
+              <a:t>MainLoop</a:t>
+            </a:r>
+            <a:endParaRPr lang="en-US">
+              <a:solidFill>
+                <a:schemeClr val="tx1"/>
+              </a:solidFill>
+              <a:cs typeface="Arial"/>
+            </a:endParaRPr>
+          </a:p>
+        </p:txBody>
+      </p:sp>
+      <p:sp>
+        <p:nvSpPr>
+          <p:cNvPr id="9" name="Rectangle 8">
+            <a:extLst>
+              <a:ext uri="{FF2B5EF4-FFF2-40B4-BE49-F238E27FC236}">
+                <a16:creationId xmlns:a16="http://schemas.microsoft.com/office/drawing/2014/main" id="{774EE0F4-7586-4CB7-B768-52CBED40ADB1}"/>
+              </a:ext>
+            </a:extLst>
+          </p:cNvPr>
+          <p:cNvSpPr/>
+          <p:nvPr/>
+        </p:nvSpPr>
+        <p:spPr>
+          <a:xfrm>
+            <a:off x="2427090" y="891182"/>
+            <a:ext cx="1366241" cy="1669852"/>
+          </a:xfrm>
+          <a:prstGeom prst="rect">
+            <a:avLst/>
+          </a:prstGeom>
+          <a:solidFill>
+            <a:srgbClr val="A3FCA2"/>
+          </a:solidFill>
+          <a:ln>
+            <a:noFill/>
+          </a:ln>
+        </p:spPr>
+        <p:style>
+          <a:lnRef idx="2">
+            <a:schemeClr val="accent1">
+              <a:shade val="50000"/>
+            </a:schemeClr>
+          </a:lnRef>
+          <a:fillRef idx="1">
+            <a:schemeClr val="accent1"/>
+          </a:fillRef>
+          <a:effectRef idx="0">
+            <a:schemeClr val="accent1"/>
+          </a:effectRef>
+          <a:fontRef idx="minor">
+            <a:schemeClr val="lt1"/>
+          </a:fontRef>
+        </p:style>
+        <p:txBody>
+          <a:bodyPr lIns="91440" tIns="45720" rIns="91440" bIns="45720" rtlCol="0" anchor="ctr"/>
+          <a:lstStyle/>
+          <a:p>
+            <a:pPr algn="ctr"/>
+            <a:r>
+              <a:rPr lang="en-US" err="1">
+                <a:solidFill>
+                  <a:schemeClr val="tx1"/>
+                </a:solidFill>
+                <a:cs typeface="Arial"/>
+              </a:rPr>
+              <a:t>GameState</a:t>
+            </a:r>
+            <a:endParaRPr lang="en-US" err="1">
+              <a:solidFill>
+                <a:schemeClr val="tx1"/>
+              </a:solidFill>
+            </a:endParaRPr>
+          </a:p>
+        </p:txBody>
+      </p:sp>
+      <p:sp>
+        <p:nvSpPr>
+          <p:cNvPr id="10" name="Rectangle 9">
+            <a:extLst>
+              <a:ext uri="{FF2B5EF4-FFF2-40B4-BE49-F238E27FC236}">
+                <a16:creationId xmlns:a16="http://schemas.microsoft.com/office/drawing/2014/main" id="{8615F402-7955-44FA-8515-7E54CFB6A742}"/>
+              </a:ext>
+            </a:extLst>
+          </p:cNvPr>
+          <p:cNvSpPr/>
+          <p:nvPr/>
+        </p:nvSpPr>
+        <p:spPr>
+          <a:xfrm>
+            <a:off x="4570214" y="891182"/>
+            <a:ext cx="1419819" cy="535782"/>
+          </a:xfrm>
+          <a:prstGeom prst="rect">
+            <a:avLst/>
+          </a:prstGeom>
+          <a:solidFill>
+            <a:srgbClr val="FF9E9E"/>
+          </a:solidFill>
+          <a:ln>
+            <a:noFill/>
+          </a:ln>
+        </p:spPr>
+        <p:style>
+          <a:lnRef idx="2">
+            <a:schemeClr val="accent1">
+              <a:shade val="50000"/>
+            </a:schemeClr>
+          </a:lnRef>
+          <a:fillRef idx="1">
+            <a:schemeClr val="accent1"/>
+          </a:fillRef>
+          <a:effectRef idx="0">
+            <a:schemeClr val="accent1"/>
+          </a:effectRef>
+          <a:fontRef idx="minor">
+            <a:schemeClr val="lt1"/>
+          </a:fontRef>
+        </p:style>
+        <p:txBody>
+          <a:bodyPr lIns="91440" tIns="45720" rIns="91440" bIns="45720" rtlCol="0" anchor="ctr"/>
+          <a:lstStyle/>
+          <a:p>
+            <a:pPr algn="ctr"/>
+            <a:r>
+              <a:rPr lang="en-US" err="1">
+                <a:solidFill>
+                  <a:schemeClr val="tx1"/>
+                </a:solidFill>
+                <a:cs typeface="Arial"/>
+              </a:rPr>
+              <a:t>PlayerManager</a:t>
+            </a:r>
+            <a:endParaRPr lang="en-US" err="1">
+              <a:solidFill>
+                <a:schemeClr val="tx1"/>
+              </a:solidFill>
+            </a:endParaRPr>
+          </a:p>
+        </p:txBody>
+      </p:sp>
+      <p:cxnSp>
+        <p:nvCxnSpPr>
+          <p:cNvPr id="11" name="Straight Arrow Connector 10">
+            <a:extLst>
+              <a:ext uri="{FF2B5EF4-FFF2-40B4-BE49-F238E27FC236}">
+                <a16:creationId xmlns:a16="http://schemas.microsoft.com/office/drawing/2014/main" id="{9DED7C7C-DF25-4490-BA3D-119E2DAB705F}"/>
+              </a:ext>
+            </a:extLst>
+          </p:cNvPr>
+          <p:cNvCxnSpPr/>
+          <p:nvPr/>
+        </p:nvCxnSpPr>
+        <p:spPr>
+          <a:xfrm flipV="1">
+            <a:off x="1656536" y="1164227"/>
+            <a:ext cx="772203" cy="7731"/>
+          </a:xfrm>
+          <a:prstGeom prst="straightConnector1">
+            <a:avLst/>
+          </a:prstGeom>
+          <a:ln>
+            <a:tailEnd type="triangle"/>
+          </a:ln>
+        </p:spPr>
+        <p:style>
+          <a:lnRef idx="1">
+            <a:schemeClr val="accent1"/>
+          </a:lnRef>
+          <a:fillRef idx="0">
+            <a:schemeClr val="accent1"/>
+          </a:fillRef>
+          <a:effectRef idx="0">
+            <a:schemeClr val="accent1"/>
+          </a:effectRef>
+          <a:fontRef idx="minor">
+            <a:schemeClr val="tx1"/>
+          </a:fontRef>
+        </p:style>
+      </p:cxnSp>
+      <p:cxnSp>
+        <p:nvCxnSpPr>
+          <p:cNvPr id="12" name="Straight Arrow Connector 11">
+            <a:extLst>
+              <a:ext uri="{FF2B5EF4-FFF2-40B4-BE49-F238E27FC236}">
+                <a16:creationId xmlns:a16="http://schemas.microsoft.com/office/drawing/2014/main" id="{B19057F0-A81C-4AF3-A242-03C94841D785}"/>
+              </a:ext>
+            </a:extLst>
+          </p:cNvPr>
+          <p:cNvCxnSpPr/>
+          <p:nvPr/>
+        </p:nvCxnSpPr>
+        <p:spPr>
+          <a:xfrm flipV="1">
+            <a:off x="3795824" y="1012296"/>
+            <a:ext cx="774015" cy="4941"/>
+          </a:xfrm>
+          <a:prstGeom prst="straightConnector1">
+            <a:avLst/>
+          </a:prstGeom>
+          <a:ln>
+            <a:tailEnd type="triangle"/>
+          </a:ln>
+        </p:spPr>
+        <p:style>
+          <a:lnRef idx="1">
+            <a:schemeClr val="accent1"/>
+          </a:lnRef>
+          <a:fillRef idx="0">
+            <a:schemeClr val="accent1"/>
+          </a:fillRef>
+          <a:effectRef idx="0">
+            <a:schemeClr val="accent1"/>
+          </a:effectRef>
+          <a:fontRef idx="minor">
+            <a:schemeClr val="tx1"/>
+          </a:fontRef>
+        </p:style>
+      </p:cxnSp>
+      <p:sp>
+        <p:nvSpPr>
+          <p:cNvPr id="13" name="Rectangle 12">
+            <a:extLst>
+              <a:ext uri="{FF2B5EF4-FFF2-40B4-BE49-F238E27FC236}">
+                <a16:creationId xmlns:a16="http://schemas.microsoft.com/office/drawing/2014/main" id="{6483AE5B-36DD-40F9-95C1-4F4649C87303}"/>
+              </a:ext>
+            </a:extLst>
+          </p:cNvPr>
+          <p:cNvSpPr/>
+          <p:nvPr/>
+        </p:nvSpPr>
+        <p:spPr>
+          <a:xfrm>
+            <a:off x="6757987" y="891182"/>
+            <a:ext cx="1419819" cy="535782"/>
+          </a:xfrm>
+          <a:prstGeom prst="rect">
+            <a:avLst/>
+          </a:prstGeom>
+          <a:solidFill>
+            <a:schemeClr val="accent6">
+              <a:lumMod val="20000"/>
+              <a:lumOff val="80000"/>
+            </a:schemeClr>
+          </a:solidFill>
+          <a:ln>
+            <a:noFill/>
+          </a:ln>
+        </p:spPr>
+        <p:style>
+          <a:lnRef idx="2">
+            <a:schemeClr val="accent1">
+              <a:shade val="50000"/>
+            </a:schemeClr>
+          </a:lnRef>
+          <a:fillRef idx="1">
+            <a:schemeClr val="accent1"/>
+          </a:fillRef>
+          <a:effectRef idx="0">
+            <a:schemeClr val="accent1"/>
+          </a:effectRef>
+          <a:fontRef idx="minor">
+            <a:schemeClr val="lt1"/>
+          </a:fontRef>
+        </p:style>
+        <p:txBody>
+          <a:bodyPr lIns="91440" tIns="45720" rIns="91440" bIns="45720" rtlCol="0" anchor="ctr"/>
+          <a:lstStyle/>
+          <a:p>
+            <a:pPr algn="ctr"/>
+            <a:r>
+              <a:rPr lang="en-US" err="1">
+                <a:solidFill>
+                  <a:schemeClr val="tx1"/>
+                </a:solidFill>
+                <a:cs typeface="Arial"/>
+              </a:rPr>
+              <a:t>HumanPlayer</a:t>
+            </a:r>
+            <a:endParaRPr lang="en-US" err="1">
+              <a:solidFill>
+                <a:schemeClr val="tx1"/>
+              </a:solidFill>
+            </a:endParaRPr>
+          </a:p>
+        </p:txBody>
+      </p:sp>
+      <p:sp>
+        <p:nvSpPr>
+          <p:cNvPr id="14" name="TextBox 13">
+            <a:extLst>
+              <a:ext uri="{FF2B5EF4-FFF2-40B4-BE49-F238E27FC236}">
+                <a16:creationId xmlns:a16="http://schemas.microsoft.com/office/drawing/2014/main" id="{D701A54A-438D-429A-BD9B-10C899BEEB43}"/>
+              </a:ext>
+            </a:extLst>
+          </p:cNvPr>
+          <p:cNvSpPr txBox="1"/>
+          <p:nvPr/>
+        </p:nvSpPr>
+        <p:spPr>
+          <a:xfrm>
+            <a:off x="896370" y="1522079"/>
+            <a:ext cx="850280" cy="399649"/>
+          </a:xfrm>
+          <a:prstGeom prst="rect">
+            <a:avLst/>
+          </a:prstGeom>
+          <a:noFill/>
+        </p:spPr>
+        <p:txBody>
+          <a:bodyPr rot="0" spcFirstLastPara="0" vertOverflow="overflow" horzOverflow="overflow" vert="horz" wrap="square" lIns="91440" tIns="45720" rIns="91440" bIns="45720" numCol="1" spcCol="0" rtlCol="0" fromWordArt="0" anchor="t" anchorCtr="0" forceAA="0" compatLnSpc="1">
+            <a:prstTxWarp prst="textNoShape">
+              <a:avLst/>
+            </a:prstTxWarp>
+            <a:spAutoFit/>
+          </a:bodyPr>
+          <a:lstStyle/>
+          <a:p>
+            <a:pPr algn="ctr"/>
+            <a:r>
+              <a:rPr lang="en-US" sz="1000" dirty="0"/>
+              <a:t>returns input</a:t>
+            </a:r>
+            <a:endParaRPr lang="en-US" dirty="0"/>
+          </a:p>
+        </p:txBody>
+      </p:sp>
+      <p:sp>
+        <p:nvSpPr>
+          <p:cNvPr id="15" name="TextBox 14">
+            <a:extLst>
+              <a:ext uri="{FF2B5EF4-FFF2-40B4-BE49-F238E27FC236}">
+                <a16:creationId xmlns:a16="http://schemas.microsoft.com/office/drawing/2014/main" id="{2ECC1054-E26D-4383-B95A-B50F31AF0FEA}"/>
+              </a:ext>
+            </a:extLst>
+          </p:cNvPr>
+          <p:cNvSpPr txBox="1"/>
+          <p:nvPr/>
+        </p:nvSpPr>
+        <p:spPr>
+          <a:xfrm>
+            <a:off x="3807619" y="762595"/>
+            <a:ext cx="716162" cy="246221"/>
+          </a:xfrm>
+          <a:prstGeom prst="rect">
+            <a:avLst/>
+          </a:prstGeom>
+          <a:noFill/>
+        </p:spPr>
+        <p:txBody>
+          <a:bodyPr rot="0" spcFirstLastPara="0" vertOverflow="overflow" horzOverflow="overflow" vert="horz" wrap="square" lIns="91440" tIns="45720" rIns="91440" bIns="45720" numCol="1" spcCol="0" rtlCol="0" fromWordArt="0" anchor="t" anchorCtr="0" forceAA="0" compatLnSpc="1">
+            <a:prstTxWarp prst="textNoShape">
+              <a:avLst/>
+            </a:prstTxWarp>
+            <a:spAutoFit/>
+          </a:bodyPr>
+          <a:lstStyle/>
+          <a:p>
+            <a:pPr algn="l"/>
+            <a:r>
+              <a:rPr lang="en-US" sz="1000"/>
+              <a:t>initializes</a:t>
+            </a:r>
+          </a:p>
+        </p:txBody>
+      </p:sp>
+      <p:sp>
+        <p:nvSpPr>
+          <p:cNvPr id="16" name="Rectangle 15">
+            <a:extLst>
+              <a:ext uri="{FF2B5EF4-FFF2-40B4-BE49-F238E27FC236}">
+                <a16:creationId xmlns:a16="http://schemas.microsoft.com/office/drawing/2014/main" id="{76EB82DE-499B-4791-B461-E8BF1E1A1231}"/>
+              </a:ext>
+            </a:extLst>
+          </p:cNvPr>
+          <p:cNvSpPr/>
+          <p:nvPr/>
+        </p:nvSpPr>
+        <p:spPr>
+          <a:xfrm>
+            <a:off x="4576858" y="1998671"/>
+            <a:ext cx="1419819" cy="535782"/>
+          </a:xfrm>
+          <a:prstGeom prst="rect">
+            <a:avLst/>
+          </a:prstGeom>
+          <a:solidFill>
+            <a:srgbClr val="FF9E9E"/>
+          </a:solidFill>
+          <a:ln>
+            <a:noFill/>
+          </a:ln>
+        </p:spPr>
+        <p:style>
+          <a:lnRef idx="2">
+            <a:schemeClr val="accent1">
+              <a:shade val="50000"/>
+            </a:schemeClr>
+          </a:lnRef>
+          <a:fillRef idx="1">
+            <a:schemeClr val="accent1"/>
+          </a:fillRef>
+          <a:effectRef idx="0">
+            <a:schemeClr val="accent1"/>
+          </a:effectRef>
+          <a:fontRef idx="minor">
+            <a:schemeClr val="lt1"/>
+          </a:fontRef>
+        </p:style>
+        <p:txBody>
+          <a:bodyPr lIns="91440" tIns="45720" rIns="91440" bIns="45720" rtlCol="0" anchor="ctr"/>
+          <a:lstStyle/>
+          <a:p>
+            <a:pPr algn="ctr"/>
+            <a:r>
+              <a:rPr lang="en-US" err="1">
+                <a:solidFill>
+                  <a:schemeClr val="tx1"/>
+                </a:solidFill>
+                <a:cs typeface="Arial"/>
+              </a:rPr>
+              <a:t>StatManager</a:t>
+            </a:r>
+            <a:endParaRPr lang="en-US" err="1">
+              <a:solidFill>
+                <a:schemeClr val="tx1"/>
+              </a:solidFill>
+            </a:endParaRPr>
+          </a:p>
+        </p:txBody>
+      </p:sp>
+      <p:sp>
+        <p:nvSpPr>
+          <p:cNvPr id="17" name="Rectangle 16">
+            <a:extLst>
+              <a:ext uri="{FF2B5EF4-FFF2-40B4-BE49-F238E27FC236}">
+                <a16:creationId xmlns:a16="http://schemas.microsoft.com/office/drawing/2014/main" id="{27A0C385-E263-4408-ADD1-AD8A42504AE4}"/>
+              </a:ext>
+            </a:extLst>
+          </p:cNvPr>
+          <p:cNvSpPr/>
+          <p:nvPr/>
+        </p:nvSpPr>
+        <p:spPr>
+          <a:xfrm>
+            <a:off x="292895" y="2016322"/>
+            <a:ext cx="1348382" cy="535782"/>
+          </a:xfrm>
+          <a:prstGeom prst="rect">
+            <a:avLst/>
+          </a:prstGeom>
+          <a:solidFill>
+            <a:schemeClr val="accent1">
+              <a:lumMod val="20000"/>
+              <a:lumOff val="80000"/>
+            </a:schemeClr>
+          </a:solidFill>
+          <a:ln>
+            <a:noFill/>
+          </a:ln>
+        </p:spPr>
+        <p:style>
+          <a:lnRef idx="2">
+            <a:schemeClr val="accent1">
+              <a:shade val="50000"/>
+            </a:schemeClr>
+          </a:lnRef>
+          <a:fillRef idx="1">
+            <a:schemeClr val="accent1"/>
+          </a:fillRef>
+          <a:effectRef idx="0">
+            <a:schemeClr val="accent1"/>
+          </a:effectRef>
+          <a:fontRef idx="minor">
+            <a:schemeClr val="lt1"/>
+          </a:fontRef>
+        </p:style>
+        <p:txBody>
+          <a:bodyPr lIns="91440" tIns="45720" rIns="91440" bIns="45720" rtlCol="0" anchor="ctr"/>
+          <a:lstStyle/>
+          <a:p>
+            <a:pPr algn="ctr"/>
+            <a:r>
+              <a:rPr lang="en-US">
+                <a:solidFill>
+                  <a:schemeClr val="tx1"/>
+                </a:solidFill>
+                <a:cs typeface="Arial"/>
+              </a:rPr>
+              <a:t>Console</a:t>
+            </a:r>
+            <a:endParaRPr lang="en-US">
+              <a:solidFill>
+                <a:schemeClr val="tx1"/>
+              </a:solidFill>
+            </a:endParaRPr>
+          </a:p>
+        </p:txBody>
+      </p:sp>
+      <p:cxnSp>
+        <p:nvCxnSpPr>
+          <p:cNvPr id="18" name="Straight Arrow Connector 17">
+            <a:extLst>
+              <a:ext uri="{FF2B5EF4-FFF2-40B4-BE49-F238E27FC236}">
+                <a16:creationId xmlns:a16="http://schemas.microsoft.com/office/drawing/2014/main" id="{D96C1C0F-F3AF-4F4D-B2C1-25FE14630269}"/>
+              </a:ext>
+            </a:extLst>
+          </p:cNvPr>
+          <p:cNvCxnSpPr>
+            <a:cxnSpLocks/>
+          </p:cNvCxnSpPr>
+          <p:nvPr/>
+        </p:nvCxnSpPr>
+        <p:spPr>
+          <a:xfrm>
+            <a:off x="576044" y="1439849"/>
+            <a:ext cx="4251" cy="572697"/>
+          </a:xfrm>
+          <a:prstGeom prst="straightConnector1">
+            <a:avLst/>
+          </a:prstGeom>
+          <a:ln>
+            <a:tailEnd type="triangle"/>
+          </a:ln>
+        </p:spPr>
+        <p:style>
+          <a:lnRef idx="1">
+            <a:schemeClr val="accent1"/>
+          </a:lnRef>
+          <a:fillRef idx="0">
+            <a:schemeClr val="accent1"/>
+          </a:fillRef>
+          <a:effectRef idx="0">
+            <a:schemeClr val="accent1"/>
+          </a:effectRef>
+          <a:fontRef idx="minor">
+            <a:schemeClr val="tx1"/>
+          </a:fontRef>
+        </p:style>
+      </p:cxnSp>
+      <p:cxnSp>
+        <p:nvCxnSpPr>
+          <p:cNvPr id="19" name="Straight Arrow Connector 18">
+            <a:extLst>
+              <a:ext uri="{FF2B5EF4-FFF2-40B4-BE49-F238E27FC236}">
+                <a16:creationId xmlns:a16="http://schemas.microsoft.com/office/drawing/2014/main" id="{B98E5D7B-CCAC-434F-8C21-9AD5B4F1B3FF}"/>
+              </a:ext>
+            </a:extLst>
+          </p:cNvPr>
+          <p:cNvCxnSpPr>
+            <a:cxnSpLocks/>
+          </p:cNvCxnSpPr>
+          <p:nvPr/>
+        </p:nvCxnSpPr>
+        <p:spPr>
+          <a:xfrm flipV="1">
+            <a:off x="5988788" y="1152678"/>
+            <a:ext cx="774015" cy="4941"/>
+          </a:xfrm>
+          <a:prstGeom prst="straightConnector1">
+            <a:avLst/>
+          </a:prstGeom>
+          <a:ln>
+            <a:tailEnd type="triangle"/>
+          </a:ln>
+        </p:spPr>
+        <p:style>
+          <a:lnRef idx="1">
+            <a:schemeClr val="accent1"/>
+          </a:lnRef>
+          <a:fillRef idx="0">
+            <a:schemeClr val="accent1"/>
+          </a:fillRef>
+          <a:effectRef idx="0">
+            <a:schemeClr val="accent1"/>
+          </a:effectRef>
+          <a:fontRef idx="minor">
+            <a:schemeClr val="tx1"/>
+          </a:fontRef>
+        </p:style>
+      </p:cxnSp>
+      <p:sp>
+        <p:nvSpPr>
+          <p:cNvPr id="20" name="TextBox 19">
+            <a:extLst>
+              <a:ext uri="{FF2B5EF4-FFF2-40B4-BE49-F238E27FC236}">
+                <a16:creationId xmlns:a16="http://schemas.microsoft.com/office/drawing/2014/main" id="{AC4C4683-CC3E-4445-BB18-2E3AD9F3FDCC}"/>
+              </a:ext>
+            </a:extLst>
+          </p:cNvPr>
+          <p:cNvSpPr txBox="1"/>
+          <p:nvPr/>
+        </p:nvSpPr>
+        <p:spPr>
+          <a:xfrm>
+            <a:off x="5884290" y="584831"/>
+            <a:ext cx="974500" cy="584775"/>
+          </a:xfrm>
+          <a:prstGeom prst="rect">
+            <a:avLst/>
+          </a:prstGeom>
+          <a:noFill/>
+        </p:spPr>
+        <p:txBody>
+          <a:bodyPr rot="0" spcFirstLastPara="0" vertOverflow="overflow" horzOverflow="overflow" vert="horz" wrap="square" lIns="91440" tIns="45720" rIns="91440" bIns="45720" numCol="1" spcCol="0" rtlCol="0" fromWordArt="0" anchor="t" anchorCtr="0" forceAA="0" compatLnSpc="1">
+            <a:prstTxWarp prst="textNoShape">
+              <a:avLst/>
+            </a:prstTxWarp>
+            <a:spAutoFit/>
+          </a:bodyPr>
+          <a:lstStyle/>
+          <a:p>
+            <a:pPr algn="ctr"/>
+            <a:r>
+              <a:rPr lang="en-US" sz="800" dirty="0"/>
+              <a:t>Initializes w/ name, empty inventory, and stat</a:t>
+            </a:r>
+          </a:p>
+        </p:txBody>
+      </p:sp>
+      <p:cxnSp>
+        <p:nvCxnSpPr>
+          <p:cNvPr id="21" name="Straight Arrow Connector 20">
+            <a:extLst>
+              <a:ext uri="{FF2B5EF4-FFF2-40B4-BE49-F238E27FC236}">
+                <a16:creationId xmlns:a16="http://schemas.microsoft.com/office/drawing/2014/main" id="{D233BBFC-947E-4314-B113-5554EACB9B29}"/>
+              </a:ext>
+            </a:extLst>
+          </p:cNvPr>
+          <p:cNvCxnSpPr>
+            <a:cxnSpLocks/>
+          </p:cNvCxnSpPr>
+          <p:nvPr/>
+        </p:nvCxnSpPr>
+        <p:spPr>
+          <a:xfrm flipV="1">
+            <a:off x="1352925" y="1423190"/>
+            <a:ext cx="4252" cy="570300"/>
+          </a:xfrm>
+          <a:prstGeom prst="straightConnector1">
+            <a:avLst/>
+          </a:prstGeom>
+          <a:ln>
+            <a:tailEnd type="triangle"/>
+          </a:ln>
+        </p:spPr>
+        <p:style>
+          <a:lnRef idx="1">
+            <a:schemeClr val="accent1"/>
+          </a:lnRef>
+          <a:fillRef idx="0">
+            <a:schemeClr val="accent1"/>
+          </a:fillRef>
+          <a:effectRef idx="0">
+            <a:schemeClr val="accent1"/>
+          </a:effectRef>
+          <a:fontRef idx="minor">
+            <a:schemeClr val="tx1"/>
+          </a:fontRef>
+        </p:style>
+      </p:cxnSp>
+      <p:sp>
+        <p:nvSpPr>
+          <p:cNvPr id="22" name="TextBox 21">
+            <a:extLst>
+              <a:ext uri="{FF2B5EF4-FFF2-40B4-BE49-F238E27FC236}">
+                <a16:creationId xmlns:a16="http://schemas.microsoft.com/office/drawing/2014/main" id="{3DE3532B-2F64-4E67-9B41-84EC85EF80A8}"/>
+              </a:ext>
+            </a:extLst>
+          </p:cNvPr>
+          <p:cNvSpPr txBox="1"/>
+          <p:nvPr/>
+        </p:nvSpPr>
+        <p:spPr>
+          <a:xfrm>
+            <a:off x="217885" y="1521618"/>
+            <a:ext cx="742951" cy="400110"/>
+          </a:xfrm>
+          <a:prstGeom prst="rect">
+            <a:avLst/>
+          </a:prstGeom>
+          <a:noFill/>
+        </p:spPr>
+        <p:txBody>
+          <a:bodyPr rot="0" spcFirstLastPara="0" vertOverflow="overflow" horzOverflow="overflow" vert="horz" wrap="square" lIns="91440" tIns="45720" rIns="91440" bIns="45720" numCol="1" spcCol="0" rtlCol="0" fromWordArt="0" anchor="t" anchorCtr="0" forceAA="0" compatLnSpc="1">
+            <a:prstTxWarp prst="textNoShape">
+              <a:avLst/>
+            </a:prstTxWarp>
+            <a:spAutoFit/>
+          </a:bodyPr>
+          <a:lstStyle/>
+          <a:p>
+            <a:pPr algn="ctr"/>
+            <a:r>
+              <a:rPr lang="en-US" sz="1000"/>
+              <a:t>asks for user input</a:t>
+            </a:r>
+            <a:endParaRPr lang="en-US"/>
+          </a:p>
+        </p:txBody>
+      </p:sp>
+      <p:sp>
+        <p:nvSpPr>
+          <p:cNvPr id="23" name="TextBox 22">
+            <a:extLst>
+              <a:ext uri="{FF2B5EF4-FFF2-40B4-BE49-F238E27FC236}">
+                <a16:creationId xmlns:a16="http://schemas.microsoft.com/office/drawing/2014/main" id="{769524F9-98AA-4EA4-A1A8-620FCEC92A13}"/>
+              </a:ext>
+            </a:extLst>
+          </p:cNvPr>
+          <p:cNvSpPr txBox="1"/>
+          <p:nvPr/>
+        </p:nvSpPr>
+        <p:spPr>
+          <a:xfrm>
+            <a:off x="2723167" y="2522375"/>
+            <a:ext cx="1102311" cy="646331"/>
+          </a:xfrm>
+          <a:prstGeom prst="rect">
+            <a:avLst/>
+          </a:prstGeom>
+          <a:noFill/>
+        </p:spPr>
+        <p:txBody>
+          <a:bodyPr rot="0" spcFirstLastPara="0" vertOverflow="overflow" horzOverflow="overflow" vert="horz" wrap="square" lIns="91440" tIns="45720" rIns="91440" bIns="45720" numCol="1" spcCol="0" rtlCol="0" fromWordArt="0" anchor="t" anchorCtr="0" forceAA="0" compatLnSpc="1">
+            <a:prstTxWarp prst="textNoShape">
+              <a:avLst/>
+            </a:prstTxWarp>
+            <a:spAutoFit/>
+          </a:bodyPr>
+          <a:lstStyle/>
+          <a:p>
+            <a:r>
+              <a:rPr lang="en-US" sz="900" dirty="0"/>
+              <a:t>Reads and executes pre-written </a:t>
+            </a:r>
+            <a:r>
+              <a:rPr lang="en-US" sz="900" dirty="0" err="1"/>
+              <a:t>scipts</a:t>
+            </a:r>
+            <a:r>
+              <a:rPr lang="en-US" sz="900" dirty="0"/>
+              <a:t> in </a:t>
+            </a:r>
+            <a:r>
+              <a:rPr lang="en-US" sz="900" dirty="0" err="1"/>
+              <a:t>GameStage</a:t>
+            </a:r>
+            <a:endParaRPr lang="en-US" sz="900" dirty="0"/>
+          </a:p>
+        </p:txBody>
+      </p:sp>
+      <p:sp>
+        <p:nvSpPr>
+          <p:cNvPr id="24" name="TextBox 23">
+            <a:extLst>
+              <a:ext uri="{FF2B5EF4-FFF2-40B4-BE49-F238E27FC236}">
+                <a16:creationId xmlns:a16="http://schemas.microsoft.com/office/drawing/2014/main" id="{A8E9F094-A001-4773-9AB1-A7599DB48B70}"/>
+              </a:ext>
+            </a:extLst>
+          </p:cNvPr>
+          <p:cNvSpPr txBox="1"/>
+          <p:nvPr/>
+        </p:nvSpPr>
+        <p:spPr>
+          <a:xfrm>
+            <a:off x="1592829" y="801067"/>
+            <a:ext cx="882710" cy="415498"/>
+          </a:xfrm>
+          <a:prstGeom prst="rect">
+            <a:avLst/>
+          </a:prstGeom>
+          <a:noFill/>
+        </p:spPr>
+        <p:txBody>
+          <a:bodyPr rot="0" spcFirstLastPara="0" vertOverflow="overflow" horzOverflow="overflow" vert="horz" wrap="square" lIns="91440" tIns="45720" rIns="91440" bIns="45720" numCol="1" spcCol="0" rtlCol="0" fromWordArt="0" anchor="t" anchorCtr="0" forceAA="0" compatLnSpc="1">
+            <a:prstTxWarp prst="textNoShape">
+              <a:avLst/>
+            </a:prstTxWarp>
+            <a:spAutoFit/>
+          </a:bodyPr>
+          <a:lstStyle/>
+          <a:p>
+            <a:pPr algn="ctr"/>
+            <a:r>
+              <a:rPr lang="en-US" sz="700" dirty="0"/>
+              <a:t>Initializes</a:t>
+            </a:r>
+          </a:p>
+          <a:p>
+            <a:pPr algn="ctr"/>
+            <a:r>
+              <a:rPr lang="en-US" sz="700" dirty="0"/>
+              <a:t>and pass inputs down</a:t>
+            </a:r>
+          </a:p>
+        </p:txBody>
+      </p:sp>
+      <p:sp>
+        <p:nvSpPr>
+          <p:cNvPr id="25" name="TextBox 24">
+            <a:extLst>
+              <a:ext uri="{FF2B5EF4-FFF2-40B4-BE49-F238E27FC236}">
+                <a16:creationId xmlns:a16="http://schemas.microsoft.com/office/drawing/2014/main" id="{887D9743-EFE8-40D1-BD08-1D595F83A7B7}"/>
+              </a:ext>
+            </a:extLst>
+          </p:cNvPr>
+          <p:cNvSpPr txBox="1"/>
+          <p:nvPr/>
+        </p:nvSpPr>
+        <p:spPr>
+          <a:xfrm>
+            <a:off x="4479421" y="1490884"/>
+            <a:ext cx="716162" cy="338554"/>
+          </a:xfrm>
+          <a:prstGeom prst="rect">
+            <a:avLst/>
+          </a:prstGeom>
+          <a:noFill/>
+        </p:spPr>
+        <p:txBody>
+          <a:bodyPr rot="0" spcFirstLastPara="0" vertOverflow="overflow" horzOverflow="overflow" vert="horz" wrap="square" lIns="91440" tIns="45720" rIns="91440" bIns="45720" numCol="1" spcCol="0" rtlCol="0" fromWordArt="0" anchor="t" anchorCtr="0" forceAA="0" compatLnSpc="1">
+            <a:prstTxWarp prst="textNoShape">
+              <a:avLst/>
+            </a:prstTxWarp>
+            <a:spAutoFit/>
+          </a:bodyPr>
+          <a:lstStyle/>
+          <a:p>
+            <a:pPr algn="ctr"/>
+            <a:r>
+              <a:rPr lang="en-US" sz="800" dirty="0"/>
+              <a:t>Asks for new  Stat</a:t>
+            </a:r>
+          </a:p>
+        </p:txBody>
+      </p:sp>
+      <p:sp>
+        <p:nvSpPr>
+          <p:cNvPr id="26" name="Rectangle 25">
+            <a:extLst>
+              <a:ext uri="{FF2B5EF4-FFF2-40B4-BE49-F238E27FC236}">
+                <a16:creationId xmlns:a16="http://schemas.microsoft.com/office/drawing/2014/main" id="{FFAEE5B0-8319-42A6-A755-65F30CEB3358}"/>
+              </a:ext>
+            </a:extLst>
+          </p:cNvPr>
+          <p:cNvSpPr/>
+          <p:nvPr/>
+        </p:nvSpPr>
+        <p:spPr>
+          <a:xfrm>
+            <a:off x="6757986" y="1994309"/>
+            <a:ext cx="1419819" cy="535782"/>
+          </a:xfrm>
+          <a:prstGeom prst="rect">
+            <a:avLst/>
+          </a:prstGeom>
+          <a:solidFill>
+            <a:schemeClr val="accent6">
+              <a:lumMod val="20000"/>
+              <a:lumOff val="80000"/>
+            </a:schemeClr>
+          </a:solidFill>
+          <a:ln>
+            <a:noFill/>
+          </a:ln>
+        </p:spPr>
+        <p:style>
+          <a:lnRef idx="2">
+            <a:schemeClr val="accent1">
+              <a:shade val="50000"/>
+            </a:schemeClr>
+          </a:lnRef>
+          <a:fillRef idx="1">
+            <a:schemeClr val="accent1"/>
+          </a:fillRef>
+          <a:effectRef idx="0">
+            <a:schemeClr val="accent1"/>
+          </a:effectRef>
+          <a:fontRef idx="minor">
+            <a:schemeClr val="lt1"/>
+          </a:fontRef>
+        </p:style>
+        <p:txBody>
+          <a:bodyPr lIns="91440" tIns="45720" rIns="91440" bIns="45720" rtlCol="0" anchor="ctr"/>
+          <a:lstStyle/>
+          <a:p>
+            <a:pPr algn="ctr"/>
+            <a:r>
+              <a:rPr lang="en-US">
+                <a:solidFill>
+                  <a:schemeClr val="tx1"/>
+                </a:solidFill>
+                <a:cs typeface="Arial"/>
+              </a:rPr>
+              <a:t>Stat</a:t>
+            </a:r>
+            <a:endParaRPr lang="en-US" err="1">
+              <a:solidFill>
+                <a:schemeClr val="tx1"/>
+              </a:solidFill>
+            </a:endParaRPr>
+          </a:p>
+        </p:txBody>
+      </p:sp>
+      <p:sp>
+        <p:nvSpPr>
+          <p:cNvPr id="27" name="TextBox 26">
+            <a:extLst>
+              <a:ext uri="{FF2B5EF4-FFF2-40B4-BE49-F238E27FC236}">
+                <a16:creationId xmlns:a16="http://schemas.microsoft.com/office/drawing/2014/main" id="{0E8A4CCF-3952-4463-B28A-1A7992DE54D4}"/>
+              </a:ext>
+            </a:extLst>
+          </p:cNvPr>
+          <p:cNvSpPr txBox="1"/>
+          <p:nvPr/>
+        </p:nvSpPr>
+        <p:spPr>
+          <a:xfrm>
+            <a:off x="5953858" y="2298917"/>
+            <a:ext cx="683291" cy="338554"/>
+          </a:xfrm>
+          <a:prstGeom prst="rect">
+            <a:avLst/>
+          </a:prstGeom>
+          <a:noFill/>
+        </p:spPr>
+        <p:txBody>
+          <a:bodyPr rot="0" spcFirstLastPara="0" vertOverflow="overflow" horzOverflow="overflow" vert="horz" wrap="square" lIns="91440" tIns="45720" rIns="91440" bIns="45720" numCol="1" spcCol="0" rtlCol="0" fromWordArt="0" anchor="t" anchorCtr="0" forceAA="0" compatLnSpc="1">
+            <a:prstTxWarp prst="textNoShape">
+              <a:avLst/>
+            </a:prstTxWarp>
+            <a:spAutoFit/>
+          </a:bodyPr>
+          <a:lstStyle/>
+          <a:p>
+            <a:pPr algn="ctr"/>
+            <a:r>
+              <a:rPr lang="en-US" sz="800" dirty="0"/>
+              <a:t>Initializes Stat</a:t>
+            </a:r>
+          </a:p>
+        </p:txBody>
+      </p:sp>
+      <p:cxnSp>
+        <p:nvCxnSpPr>
+          <p:cNvPr id="28" name="Straight Arrow Connector 27">
+            <a:extLst>
+              <a:ext uri="{FF2B5EF4-FFF2-40B4-BE49-F238E27FC236}">
+                <a16:creationId xmlns:a16="http://schemas.microsoft.com/office/drawing/2014/main" id="{81D44CA9-1C40-4251-B1DD-711C34BDEE1B}"/>
+              </a:ext>
+            </a:extLst>
+          </p:cNvPr>
+          <p:cNvCxnSpPr>
+            <a:cxnSpLocks/>
+          </p:cNvCxnSpPr>
+          <p:nvPr/>
+        </p:nvCxnSpPr>
+        <p:spPr>
+          <a:xfrm flipV="1">
+            <a:off x="5995433" y="2295677"/>
+            <a:ext cx="774015" cy="4941"/>
+          </a:xfrm>
+          <a:prstGeom prst="straightConnector1">
+            <a:avLst/>
+          </a:prstGeom>
+          <a:ln>
+            <a:tailEnd type="triangle"/>
+          </a:ln>
+        </p:spPr>
+        <p:style>
+          <a:lnRef idx="1">
+            <a:schemeClr val="accent1"/>
+          </a:lnRef>
+          <a:fillRef idx="0">
+            <a:schemeClr val="accent1"/>
+          </a:fillRef>
+          <a:effectRef idx="0">
+            <a:schemeClr val="accent1"/>
+          </a:effectRef>
+          <a:fontRef idx="minor">
+            <a:schemeClr val="tx1"/>
+          </a:fontRef>
+        </p:style>
+      </p:cxnSp>
+      <p:cxnSp>
+        <p:nvCxnSpPr>
+          <p:cNvPr id="29" name="Straight Arrow Connector 28">
+            <a:extLst>
+              <a:ext uri="{FF2B5EF4-FFF2-40B4-BE49-F238E27FC236}">
+                <a16:creationId xmlns:a16="http://schemas.microsoft.com/office/drawing/2014/main" id="{595AA22F-23B0-45FE-9B2B-F96325BAA6CC}"/>
+              </a:ext>
+            </a:extLst>
+          </p:cNvPr>
+          <p:cNvCxnSpPr>
+            <a:cxnSpLocks/>
+          </p:cNvCxnSpPr>
+          <p:nvPr/>
+        </p:nvCxnSpPr>
+        <p:spPr>
+          <a:xfrm flipV="1">
+            <a:off x="3801013" y="1215185"/>
+            <a:ext cx="774015" cy="4941"/>
+          </a:xfrm>
+          <a:prstGeom prst="straightConnector1">
+            <a:avLst/>
+          </a:prstGeom>
+          <a:ln>
+            <a:tailEnd type="triangle"/>
+          </a:ln>
+        </p:spPr>
+        <p:style>
+          <a:lnRef idx="1">
+            <a:schemeClr val="accent1"/>
+          </a:lnRef>
+          <a:fillRef idx="0">
+            <a:schemeClr val="accent1"/>
+          </a:fillRef>
+          <a:effectRef idx="0">
+            <a:schemeClr val="accent1"/>
+          </a:effectRef>
+          <a:fontRef idx="minor">
+            <a:schemeClr val="tx1"/>
+          </a:fontRef>
+        </p:style>
+      </p:cxnSp>
+      <p:cxnSp>
+        <p:nvCxnSpPr>
+          <p:cNvPr id="30" name="Straight Arrow Connector 26">
+            <a:extLst>
+              <a:ext uri="{FF2B5EF4-FFF2-40B4-BE49-F238E27FC236}">
+                <a16:creationId xmlns:a16="http://schemas.microsoft.com/office/drawing/2014/main" id="{9888CC8A-E2FE-465B-8113-7337645FB4B4}"/>
+              </a:ext>
+            </a:extLst>
+          </p:cNvPr>
+          <p:cNvCxnSpPr>
+            <a:cxnSpLocks/>
+          </p:cNvCxnSpPr>
+          <p:nvPr/>
+        </p:nvCxnSpPr>
+        <p:spPr>
+          <a:xfrm>
+            <a:off x="4830627" y="1447107"/>
+            <a:ext cx="6062" cy="539770"/>
+          </a:xfrm>
+          <a:prstGeom prst="straightConnector1">
+            <a:avLst/>
+          </a:prstGeom>
+          <a:ln>
+            <a:tailEnd type="triangle"/>
+          </a:ln>
+        </p:spPr>
+        <p:style>
+          <a:lnRef idx="1">
+            <a:schemeClr val="accent1"/>
+          </a:lnRef>
+          <a:fillRef idx="0">
+            <a:schemeClr val="accent1"/>
+          </a:fillRef>
+          <a:effectRef idx="0">
+            <a:schemeClr val="accent1"/>
+          </a:effectRef>
+          <a:fontRef idx="minor">
+            <a:schemeClr val="tx1"/>
+          </a:fontRef>
+        </p:style>
+      </p:cxnSp>
+      <p:sp>
+        <p:nvSpPr>
+          <p:cNvPr id="31" name="TextBox 30">
+            <a:extLst>
+              <a:ext uri="{FF2B5EF4-FFF2-40B4-BE49-F238E27FC236}">
+                <a16:creationId xmlns:a16="http://schemas.microsoft.com/office/drawing/2014/main" id="{B4C015F4-60E5-462E-AB61-14C349D78A4E}"/>
+              </a:ext>
+            </a:extLst>
+          </p:cNvPr>
+          <p:cNvSpPr txBox="1"/>
+          <p:nvPr/>
+        </p:nvSpPr>
+        <p:spPr>
+          <a:xfrm>
+            <a:off x="3762969" y="1209080"/>
+            <a:ext cx="823318" cy="461665"/>
+          </a:xfrm>
+          <a:prstGeom prst="rect">
+            <a:avLst/>
+          </a:prstGeom>
+          <a:noFill/>
+        </p:spPr>
+        <p:txBody>
+          <a:bodyPr rot="0" spcFirstLastPara="0" vertOverflow="overflow" horzOverflow="overflow" vert="horz" wrap="square" lIns="91440" tIns="45720" rIns="91440" bIns="45720" numCol="1" spcCol="0" rtlCol="0" fromWordArt="0" anchor="t" anchorCtr="0" forceAA="0" compatLnSpc="1">
+            <a:prstTxWarp prst="textNoShape">
+              <a:avLst/>
+            </a:prstTxWarp>
+            <a:spAutoFit/>
+          </a:bodyPr>
+          <a:lstStyle/>
+          <a:p>
+            <a:pPr algn="ctr"/>
+            <a:r>
+              <a:rPr lang="en-US" sz="800" dirty="0"/>
+              <a:t>asks for new </a:t>
+            </a:r>
+            <a:r>
+              <a:rPr lang="en-US" sz="800" dirty="0" err="1"/>
+              <a:t>HumanPlayer</a:t>
+            </a:r>
+            <a:r>
+              <a:rPr lang="en-US" sz="800" dirty="0"/>
+              <a:t> with name</a:t>
+            </a:r>
+            <a:endParaRPr lang="en-US" dirty="0"/>
+          </a:p>
+        </p:txBody>
+      </p:sp>
+      <p:cxnSp>
+        <p:nvCxnSpPr>
+          <p:cNvPr id="32" name="Straight Arrow Connector 31">
+            <a:extLst>
+              <a:ext uri="{FF2B5EF4-FFF2-40B4-BE49-F238E27FC236}">
+                <a16:creationId xmlns:a16="http://schemas.microsoft.com/office/drawing/2014/main" id="{00D9E40F-2B7E-4022-B35E-F40433206FA7}"/>
+              </a:ext>
+            </a:extLst>
+          </p:cNvPr>
+          <p:cNvCxnSpPr>
+            <a:cxnSpLocks/>
+          </p:cNvCxnSpPr>
+          <p:nvPr/>
+        </p:nvCxnSpPr>
+        <p:spPr>
+          <a:xfrm flipV="1">
+            <a:off x="3795823" y="2119576"/>
+            <a:ext cx="774015" cy="4941"/>
+          </a:xfrm>
+          <a:prstGeom prst="straightConnector1">
+            <a:avLst/>
+          </a:prstGeom>
+          <a:ln>
+            <a:tailEnd type="triangle"/>
+          </a:ln>
+        </p:spPr>
+        <p:style>
+          <a:lnRef idx="1">
+            <a:schemeClr val="accent1"/>
+          </a:lnRef>
+          <a:fillRef idx="0">
+            <a:schemeClr val="accent1"/>
+          </a:fillRef>
+          <a:effectRef idx="0">
+            <a:schemeClr val="accent1"/>
+          </a:effectRef>
+          <a:fontRef idx="minor">
+            <a:schemeClr val="tx1"/>
+          </a:fontRef>
+        </p:style>
+      </p:cxnSp>
+      <p:sp>
+        <p:nvSpPr>
+          <p:cNvPr id="33" name="TextBox 32">
+            <a:extLst>
+              <a:ext uri="{FF2B5EF4-FFF2-40B4-BE49-F238E27FC236}">
+                <a16:creationId xmlns:a16="http://schemas.microsoft.com/office/drawing/2014/main" id="{0D6D7078-BA49-4E64-9ED8-17FCB1C1A86B}"/>
+              </a:ext>
+            </a:extLst>
+          </p:cNvPr>
+          <p:cNvSpPr txBox="1"/>
+          <p:nvPr/>
+        </p:nvSpPr>
+        <p:spPr>
+          <a:xfrm>
+            <a:off x="3825478" y="1923455"/>
+            <a:ext cx="716162" cy="246221"/>
+          </a:xfrm>
+          <a:prstGeom prst="rect">
+            <a:avLst/>
+          </a:prstGeom>
+          <a:noFill/>
+        </p:spPr>
+        <p:txBody>
+          <a:bodyPr rot="0" spcFirstLastPara="0" vertOverflow="overflow" horzOverflow="overflow" vert="horz" wrap="square" lIns="91440" tIns="45720" rIns="91440" bIns="45720" numCol="1" spcCol="0" rtlCol="0" fromWordArt="0" anchor="t" anchorCtr="0" forceAA="0" compatLnSpc="1">
+            <a:prstTxWarp prst="textNoShape">
+              <a:avLst/>
+            </a:prstTxWarp>
+            <a:spAutoFit/>
+          </a:bodyPr>
+          <a:lstStyle/>
+          <a:p>
+            <a:pPr algn="l"/>
+            <a:r>
+              <a:rPr lang="en-US" sz="1000"/>
+              <a:t>initializes</a:t>
+            </a:r>
+          </a:p>
+        </p:txBody>
+      </p:sp>
+      <p:cxnSp>
+        <p:nvCxnSpPr>
+          <p:cNvPr id="34" name="Straight Arrow Connector 33">
+            <a:extLst>
+              <a:ext uri="{FF2B5EF4-FFF2-40B4-BE49-F238E27FC236}">
+                <a16:creationId xmlns:a16="http://schemas.microsoft.com/office/drawing/2014/main" id="{0511385A-1B02-4F06-9B7C-A0A5B6A3C787}"/>
+              </a:ext>
+            </a:extLst>
+          </p:cNvPr>
+          <p:cNvCxnSpPr>
+            <a:cxnSpLocks/>
+          </p:cNvCxnSpPr>
+          <p:nvPr/>
+        </p:nvCxnSpPr>
+        <p:spPr>
+          <a:xfrm flipV="1">
+            <a:off x="5575600" y="1390999"/>
+            <a:ext cx="3154" cy="602694"/>
+          </a:xfrm>
+          <a:prstGeom prst="straightConnector1">
+            <a:avLst/>
+          </a:prstGeom>
+          <a:ln>
+            <a:tailEnd type="triangle"/>
+          </a:ln>
+        </p:spPr>
+        <p:style>
+          <a:lnRef idx="1">
+            <a:schemeClr val="accent1"/>
+          </a:lnRef>
+          <a:fillRef idx="0">
+            <a:schemeClr val="accent1"/>
+          </a:fillRef>
+          <a:effectRef idx="0">
+            <a:schemeClr val="accent1"/>
+          </a:effectRef>
+          <a:fontRef idx="minor">
+            <a:schemeClr val="tx1"/>
+          </a:fontRef>
+        </p:style>
+      </p:cxnSp>
+      <p:sp>
+        <p:nvSpPr>
+          <p:cNvPr id="35" name="TextBox 34">
+            <a:extLst>
+              <a:ext uri="{FF2B5EF4-FFF2-40B4-BE49-F238E27FC236}">
+                <a16:creationId xmlns:a16="http://schemas.microsoft.com/office/drawing/2014/main" id="{081A2AA7-17D0-4891-9F89-844DDCD6F717}"/>
+              </a:ext>
+            </a:extLst>
+          </p:cNvPr>
+          <p:cNvSpPr txBox="1"/>
+          <p:nvPr/>
+        </p:nvSpPr>
+        <p:spPr>
+          <a:xfrm>
+            <a:off x="5211976" y="1497006"/>
+            <a:ext cx="743822" cy="461665"/>
+          </a:xfrm>
+          <a:prstGeom prst="rect">
+            <a:avLst/>
+          </a:prstGeom>
+          <a:noFill/>
+        </p:spPr>
+        <p:txBody>
+          <a:bodyPr rot="0" spcFirstLastPara="0" vertOverflow="overflow" horzOverflow="overflow" vert="horz" wrap="square" lIns="91440" tIns="45720" rIns="91440" bIns="45720" numCol="1" spcCol="0" rtlCol="0" fromWordArt="0" anchor="t" anchorCtr="0" forceAA="0" compatLnSpc="1">
+            <a:prstTxWarp prst="textNoShape">
+              <a:avLst/>
+            </a:prstTxWarp>
+            <a:spAutoFit/>
+          </a:bodyPr>
+          <a:lstStyle/>
+          <a:p>
+            <a:pPr algn="ctr"/>
+            <a:r>
+              <a:rPr lang="en-US" sz="800" dirty="0"/>
+              <a:t>Returns Stat instance</a:t>
+            </a:r>
+            <a:endParaRPr lang="en-US" dirty="0"/>
+          </a:p>
+        </p:txBody>
+      </p:sp>
+      <p:sp>
+        <p:nvSpPr>
+          <p:cNvPr id="36" name="Rectangle 35">
+            <a:extLst>
+              <a:ext uri="{FF2B5EF4-FFF2-40B4-BE49-F238E27FC236}">
+                <a16:creationId xmlns:a16="http://schemas.microsoft.com/office/drawing/2014/main" id="{46B03476-83EA-49BB-9E48-1B31BE03D608}"/>
+              </a:ext>
+            </a:extLst>
+          </p:cNvPr>
+          <p:cNvSpPr/>
+          <p:nvPr/>
+        </p:nvSpPr>
+        <p:spPr>
+          <a:xfrm>
+            <a:off x="2419367" y="3146289"/>
+            <a:ext cx="1366241" cy="1669852"/>
+          </a:xfrm>
+          <a:prstGeom prst="rect">
+            <a:avLst/>
+          </a:prstGeom>
+          <a:solidFill>
+            <a:srgbClr val="A3FCA2"/>
+          </a:solidFill>
+          <a:ln>
+            <a:noFill/>
+          </a:ln>
+        </p:spPr>
+        <p:style>
+          <a:lnRef idx="2">
+            <a:schemeClr val="accent1">
+              <a:shade val="50000"/>
+            </a:schemeClr>
+          </a:lnRef>
+          <a:fillRef idx="1">
+            <a:schemeClr val="accent1"/>
+          </a:fillRef>
+          <a:effectRef idx="0">
+            <a:schemeClr val="accent1"/>
+          </a:effectRef>
+          <a:fontRef idx="minor">
+            <a:schemeClr val="lt1"/>
+          </a:fontRef>
+        </p:style>
+        <p:txBody>
+          <a:bodyPr lIns="91440" tIns="45720" rIns="91440" bIns="45720" rtlCol="0" anchor="ctr"/>
+          <a:lstStyle/>
+          <a:p>
+            <a:pPr algn="ctr"/>
+            <a:r>
+              <a:rPr lang="en-US">
+                <a:solidFill>
+                  <a:schemeClr val="tx1"/>
+                </a:solidFill>
+                <a:cs typeface="Arial"/>
+              </a:rPr>
+              <a:t>GameStage</a:t>
+            </a:r>
+            <a:endParaRPr lang="en-US" err="1">
+              <a:solidFill>
+                <a:schemeClr val="tx1"/>
+              </a:solidFill>
+            </a:endParaRPr>
+          </a:p>
+        </p:txBody>
+      </p:sp>
+      <p:cxnSp>
+        <p:nvCxnSpPr>
+          <p:cNvPr id="37" name="Straight Arrow Connector 36">
+            <a:extLst>
+              <a:ext uri="{FF2B5EF4-FFF2-40B4-BE49-F238E27FC236}">
+                <a16:creationId xmlns:a16="http://schemas.microsoft.com/office/drawing/2014/main" id="{AA118F49-B3A0-43AD-A5EC-4FEDF980904B}"/>
+              </a:ext>
+            </a:extLst>
+          </p:cNvPr>
+          <p:cNvCxnSpPr>
+            <a:cxnSpLocks/>
+          </p:cNvCxnSpPr>
+          <p:nvPr/>
+        </p:nvCxnSpPr>
+        <p:spPr>
+          <a:xfrm>
+            <a:off x="2665831" y="2572712"/>
+            <a:ext cx="4252" cy="619038"/>
+          </a:xfrm>
+          <a:prstGeom prst="straightConnector1">
+            <a:avLst/>
+          </a:prstGeom>
+          <a:ln>
+            <a:tailEnd type="triangle"/>
+          </a:ln>
+        </p:spPr>
+        <p:style>
+          <a:lnRef idx="1">
+            <a:schemeClr val="accent1"/>
+          </a:lnRef>
+          <a:fillRef idx="0">
+            <a:schemeClr val="accent1"/>
+          </a:fillRef>
+          <a:effectRef idx="0">
+            <a:schemeClr val="accent1"/>
+          </a:effectRef>
+          <a:fontRef idx="minor">
+            <a:schemeClr val="tx1"/>
+          </a:fontRef>
+        </p:style>
+      </p:cxnSp>
+    </p:spTree>
+    <p:extLst>
+      <p:ext uri="{BB962C8B-B14F-4D97-AF65-F5344CB8AC3E}">
+        <p14:creationId xmlns:p14="http://schemas.microsoft.com/office/powerpoint/2010/main" val="3434713257"/>
       </p:ext>
     </p:extLst>
   </p:cSld>
